--- a/powerpoint/Présentation de la veille.pptx
+++ b/powerpoint/Présentation de la veille.pptx
@@ -14,6 +14,7 @@
     <p:sldId id="264" r:id="rId8"/>
     <p:sldId id="263" r:id="rId9"/>
     <p:sldId id="262" r:id="rId10"/>
+    <p:sldId id="265" r:id="rId11"/>
   </p:sldIdLst>
   <p:sldSz cx="12192000" cy="6858000"/>
   <p:notesSz cx="6858000" cy="9144000"/>
@@ -5491,6 +5492,324 @@
 </p:sld>
 </file>
 
+<file path=ppt/slides/slide10.xml><?xml version="1.0" encoding="utf-8"?>
+<p:sld xmlns:a="http://schemas.openxmlformats.org/drawingml/2006/main" xmlns:r="http://schemas.openxmlformats.org/officeDocument/2006/relationships" xmlns:p="http://schemas.openxmlformats.org/presentationml/2006/main">
+  <p:cSld>
+    <p:bg>
+      <p:bgPr>
+        <a:gradFill flip="none" rotWithShape="1">
+          <a:gsLst>
+            <a:gs pos="100000">
+              <a:srgbClr val="F7D6C1"/>
+            </a:gs>
+            <a:gs pos="0">
+              <a:srgbClr val="FFF4E8"/>
+            </a:gs>
+            <a:gs pos="100000">
+              <a:schemeClr val="bg2">
+                <a:shade val="96000"/>
+                <a:hueMod val="88000"/>
+                <a:satMod val="220000"/>
+                <a:lumMod val="82000"/>
+              </a:schemeClr>
+            </a:gs>
+          </a:gsLst>
+          <a:path path="circle">
+            <a:fillToRect t="100000" r="100000"/>
+          </a:path>
+          <a:tileRect l="-100000" b="-100000"/>
+        </a:gradFill>
+        <a:effectLst/>
+      </p:bgPr>
+    </p:bg>
+    <p:spTree>
+      <p:nvGrpSpPr>
+        <p:cNvPr id="1" name=""/>
+        <p:cNvGrpSpPr/>
+        <p:nvPr/>
+      </p:nvGrpSpPr>
+      <p:grpSpPr>
+        <a:xfrm>
+          <a:off x="0" y="0"/>
+          <a:ext cx="0" cy="0"/>
+          <a:chOff x="0" y="0"/>
+          <a:chExt cx="0" cy="0"/>
+        </a:xfrm>
+      </p:grpSpPr>
+      <p:sp>
+        <p:nvSpPr>
+          <p:cNvPr id="2" name="ZoneTexte 1">
+            <a:extLst>
+              <a:ext uri="{FF2B5EF4-FFF2-40B4-BE49-F238E27FC236}">
+                <a16:creationId xmlns:a16="http://schemas.microsoft.com/office/drawing/2014/main" id="{3ECD9771-6B80-98AC-CE17-AF5960648E0E}"/>
+              </a:ext>
+            </a:extLst>
+          </p:cNvPr>
+          <p:cNvSpPr txBox="1"/>
+          <p:nvPr/>
+        </p:nvSpPr>
+        <p:spPr>
+          <a:xfrm>
+            <a:off x="4370136" y="145351"/>
+            <a:ext cx="3448403" cy="523220"/>
+          </a:xfrm>
+          <a:prstGeom prst="rect">
+            <a:avLst/>
+          </a:prstGeom>
+          <a:noFill/>
+        </p:spPr>
+        <p:txBody>
+          <a:bodyPr wrap="square" rtlCol="0">
+            <a:spAutoFit/>
+          </a:bodyPr>
+          <a:lstStyle/>
+          <a:p>
+            <a:r>
+              <a:rPr lang="fr-FR" sz="2800" dirty="0">
+                <a:solidFill>
+                  <a:schemeClr val="accent4">
+                    <a:lumMod val="75000"/>
+                  </a:schemeClr>
+                </a:solidFill>
+              </a:rPr>
+              <a:t>Source de la veille</a:t>
+            </a:r>
+          </a:p>
+        </p:txBody>
+      </p:sp>
+      <p:sp>
+        <p:nvSpPr>
+          <p:cNvPr id="4" name="ZoneTexte 3">
+            <a:extLst>
+              <a:ext uri="{FF2B5EF4-FFF2-40B4-BE49-F238E27FC236}">
+                <a16:creationId xmlns:a16="http://schemas.microsoft.com/office/drawing/2014/main" id="{99BC8972-A758-68D0-D5BF-19B1D2370F39}"/>
+              </a:ext>
+            </a:extLst>
+          </p:cNvPr>
+          <p:cNvSpPr txBox="1"/>
+          <p:nvPr/>
+        </p:nvSpPr>
+        <p:spPr>
+          <a:xfrm>
+            <a:off x="1359016" y="1333850"/>
+            <a:ext cx="2622834" cy="1477328"/>
+          </a:xfrm>
+          <a:prstGeom prst="rect">
+            <a:avLst/>
+          </a:prstGeom>
+          <a:noFill/>
+        </p:spPr>
+        <p:txBody>
+          <a:bodyPr wrap="none" rtlCol="0">
+            <a:spAutoFit/>
+          </a:bodyPr>
+          <a:lstStyle/>
+          <a:p>
+            <a:r>
+              <a:rPr lang="fr-FR" u="sng" dirty="0">
+                <a:solidFill>
+                  <a:schemeClr val="accent4">
+                    <a:lumMod val="75000"/>
+                  </a:schemeClr>
+                </a:solidFill>
+              </a:rPr>
+              <a:t>Cours : </a:t>
+            </a:r>
+          </a:p>
+          <a:p>
+            <a:endParaRPr lang="fr-FR" dirty="0">
+              <a:solidFill>
+                <a:schemeClr val="accent4">
+                  <a:lumMod val="75000"/>
+                </a:schemeClr>
+              </a:solidFill>
+            </a:endParaRPr>
+          </a:p>
+          <a:p>
+            <a:r>
+              <a:rPr lang="fr-FR" dirty="0">
+                <a:solidFill>
+                  <a:schemeClr val="accent4">
+                    <a:lumMod val="75000"/>
+                  </a:schemeClr>
+                </a:solidFill>
+              </a:rPr>
+              <a:t>Openclassrooms.com</a:t>
+            </a:r>
+          </a:p>
+          <a:p>
+            <a:r>
+              <a:rPr lang="fr-FR" dirty="0">
+                <a:solidFill>
+                  <a:schemeClr val="accent4">
+                    <a:lumMod val="75000"/>
+                  </a:schemeClr>
+                </a:solidFill>
+              </a:rPr>
+              <a:t>W3Schools.com</a:t>
+            </a:r>
+          </a:p>
+          <a:p>
+            <a:r>
+              <a:rPr lang="fr-FR" dirty="0">
+                <a:solidFill>
+                  <a:schemeClr val="accent4">
+                    <a:lumMod val="75000"/>
+                  </a:schemeClr>
+                </a:solidFill>
+              </a:rPr>
+              <a:t>Youtube.com</a:t>
+            </a:r>
+          </a:p>
+        </p:txBody>
+      </p:sp>
+      <p:sp>
+        <p:nvSpPr>
+          <p:cNvPr id="5" name="ZoneTexte 4">
+            <a:extLst>
+              <a:ext uri="{FF2B5EF4-FFF2-40B4-BE49-F238E27FC236}">
+                <a16:creationId xmlns:a16="http://schemas.microsoft.com/office/drawing/2014/main" id="{8160C667-8D72-3D44-3B1A-BB78A718F03D}"/>
+              </a:ext>
+            </a:extLst>
+          </p:cNvPr>
+          <p:cNvSpPr txBox="1"/>
+          <p:nvPr/>
+        </p:nvSpPr>
+        <p:spPr>
+          <a:xfrm>
+            <a:off x="1359016" y="3429000"/>
+            <a:ext cx="2287806" cy="2585323"/>
+          </a:xfrm>
+          <a:prstGeom prst="rect">
+            <a:avLst/>
+          </a:prstGeom>
+          <a:noFill/>
+        </p:spPr>
+        <p:txBody>
+          <a:bodyPr wrap="none" rtlCol="0">
+            <a:spAutoFit/>
+          </a:bodyPr>
+          <a:lstStyle/>
+          <a:p>
+            <a:r>
+              <a:rPr lang="fr-FR" u="sng" dirty="0">
+                <a:solidFill>
+                  <a:schemeClr val="accent4">
+                    <a:lumMod val="75000"/>
+                  </a:schemeClr>
+                </a:solidFill>
+              </a:rPr>
+              <a:t>Documentation : </a:t>
+            </a:r>
+          </a:p>
+          <a:p>
+            <a:endParaRPr lang="fr-FR" dirty="0">
+              <a:solidFill>
+                <a:schemeClr val="accent4">
+                  <a:lumMod val="75000"/>
+                </a:schemeClr>
+              </a:solidFill>
+            </a:endParaRPr>
+          </a:p>
+          <a:p>
+            <a:r>
+              <a:rPr lang="fr-FR" dirty="0">
+                <a:solidFill>
+                  <a:schemeClr val="accent4">
+                    <a:lumMod val="75000"/>
+                  </a:schemeClr>
+                </a:solidFill>
+              </a:rPr>
+              <a:t>React.dev </a:t>
+            </a:r>
+          </a:p>
+          <a:p>
+            <a:r>
+              <a:rPr lang="fr-FR" dirty="0">
+                <a:solidFill>
+                  <a:schemeClr val="accent4">
+                    <a:lumMod val="75000"/>
+                  </a:schemeClr>
+                </a:solidFill>
+              </a:rPr>
+              <a:t>Npmjs.com</a:t>
+            </a:r>
+          </a:p>
+          <a:p>
+            <a:r>
+              <a:rPr lang="fr-FR" dirty="0">
+                <a:solidFill>
+                  <a:schemeClr val="accent4">
+                    <a:lumMod val="75000"/>
+                  </a:schemeClr>
+                </a:solidFill>
+              </a:rPr>
+              <a:t>Sass-lang.com</a:t>
+            </a:r>
+          </a:p>
+          <a:p>
+            <a:r>
+              <a:rPr lang="fr-FR" dirty="0">
+                <a:solidFill>
+                  <a:schemeClr val="accent4">
+                    <a:lumMod val="75000"/>
+                  </a:schemeClr>
+                </a:solidFill>
+              </a:rPr>
+              <a:t>Deliveroo API Doc</a:t>
+            </a:r>
+          </a:p>
+          <a:p>
+            <a:r>
+              <a:rPr lang="fr-FR" dirty="0">
+                <a:solidFill>
+                  <a:schemeClr val="accent4">
+                    <a:lumMod val="75000"/>
+                  </a:schemeClr>
+                </a:solidFill>
+              </a:rPr>
+              <a:t>Facebook API Doc</a:t>
+            </a:r>
+          </a:p>
+          <a:p>
+            <a:r>
+              <a:rPr lang="fr-FR" dirty="0">
+                <a:solidFill>
+                  <a:schemeClr val="accent4">
+                    <a:lumMod val="75000"/>
+                  </a:schemeClr>
+                </a:solidFill>
+              </a:rPr>
+              <a:t>Visualstudio.com</a:t>
+            </a:r>
+          </a:p>
+          <a:p>
+            <a:r>
+              <a:rPr lang="fr-FR" dirty="0">
+                <a:solidFill>
+                  <a:schemeClr val="accent4">
+                    <a:lumMod val="75000"/>
+                  </a:schemeClr>
+                </a:solidFill>
+              </a:rPr>
+              <a:t>Dev.to</a:t>
+            </a:r>
+          </a:p>
+        </p:txBody>
+      </p:sp>
+    </p:spTree>
+    <p:extLst>
+      <p:ext uri="{BB962C8B-B14F-4D97-AF65-F5344CB8AC3E}">
+        <p14:creationId xmlns:p14="http://schemas.microsoft.com/office/powerpoint/2010/main" val="222133379"/>
+      </p:ext>
+    </p:extLst>
+  </p:cSld>
+  <p:clrMapOvr>
+    <a:masterClrMapping/>
+  </p:clrMapOvr>
+</p:sld>
+</file>
+
 <file path=ppt/slides/slide2.xml><?xml version="1.0" encoding="utf-8"?>
 <p:sld xmlns:a="http://schemas.openxmlformats.org/drawingml/2006/main" xmlns:r="http://schemas.openxmlformats.org/officeDocument/2006/relationships" xmlns:p="http://schemas.openxmlformats.org/presentationml/2006/main">
   <p:cSld>
